--- a/336 - Faith of Our Fathers.pptx
+++ b/336 - Faith of Our Fathers.pptx
@@ -244,7 +244,7 @@
           <a:p>
             <a:fld id="{32F7251A-AE54-443C-B8FE-5F636E835EBF}" type="datetimeFigureOut">
               <a:rPr lang="en-US" smtClean="0"/>
-              <a:t>6/17/2018</a:t>
+              <a:t>8/30/2020</a:t>
             </a:fld>
             <a:endParaRPr lang="en-US"/>
           </a:p>
@@ -412,7 +412,7 @@
           <a:p>
             <a:fld id="{32F7251A-AE54-443C-B8FE-5F636E835EBF}" type="datetimeFigureOut">
               <a:rPr lang="en-US" smtClean="0"/>
-              <a:t>6/17/2018</a:t>
+              <a:t>8/30/2020</a:t>
             </a:fld>
             <a:endParaRPr lang="en-US"/>
           </a:p>
@@ -590,7 +590,7 @@
           <a:p>
             <a:fld id="{32F7251A-AE54-443C-B8FE-5F636E835EBF}" type="datetimeFigureOut">
               <a:rPr lang="en-US" smtClean="0"/>
-              <a:t>6/17/2018</a:t>
+              <a:t>8/30/2020</a:t>
             </a:fld>
             <a:endParaRPr lang="en-US"/>
           </a:p>
@@ -758,7 +758,7 @@
           <a:p>
             <a:fld id="{32F7251A-AE54-443C-B8FE-5F636E835EBF}" type="datetimeFigureOut">
               <a:rPr lang="en-US" smtClean="0"/>
-              <a:t>6/17/2018</a:t>
+              <a:t>8/30/2020</a:t>
             </a:fld>
             <a:endParaRPr lang="en-US"/>
           </a:p>
@@ -1003,7 +1003,7 @@
           <a:p>
             <a:fld id="{32F7251A-AE54-443C-B8FE-5F636E835EBF}" type="datetimeFigureOut">
               <a:rPr lang="en-US" smtClean="0"/>
-              <a:t>6/17/2018</a:t>
+              <a:t>8/30/2020</a:t>
             </a:fld>
             <a:endParaRPr lang="en-US"/>
           </a:p>
@@ -1232,7 +1232,7 @@
           <a:p>
             <a:fld id="{32F7251A-AE54-443C-B8FE-5F636E835EBF}" type="datetimeFigureOut">
               <a:rPr lang="en-US" smtClean="0"/>
-              <a:t>6/17/2018</a:t>
+              <a:t>8/30/2020</a:t>
             </a:fld>
             <a:endParaRPr lang="en-US"/>
           </a:p>
@@ -1596,7 +1596,7 @@
           <a:p>
             <a:fld id="{32F7251A-AE54-443C-B8FE-5F636E835EBF}" type="datetimeFigureOut">
               <a:rPr lang="en-US" smtClean="0"/>
-              <a:t>6/17/2018</a:t>
+              <a:t>8/30/2020</a:t>
             </a:fld>
             <a:endParaRPr lang="en-US"/>
           </a:p>
@@ -1713,7 +1713,7 @@
           <a:p>
             <a:fld id="{32F7251A-AE54-443C-B8FE-5F636E835EBF}" type="datetimeFigureOut">
               <a:rPr lang="en-US" smtClean="0"/>
-              <a:t>6/17/2018</a:t>
+              <a:t>8/30/2020</a:t>
             </a:fld>
             <a:endParaRPr lang="en-US"/>
           </a:p>
@@ -1808,7 +1808,7 @@
           <a:p>
             <a:fld id="{32F7251A-AE54-443C-B8FE-5F636E835EBF}" type="datetimeFigureOut">
               <a:rPr lang="en-US" smtClean="0"/>
-              <a:t>6/17/2018</a:t>
+              <a:t>8/30/2020</a:t>
             </a:fld>
             <a:endParaRPr lang="en-US"/>
           </a:p>
@@ -2083,7 +2083,7 @@
           <a:p>
             <a:fld id="{32F7251A-AE54-443C-B8FE-5F636E835EBF}" type="datetimeFigureOut">
               <a:rPr lang="en-US" smtClean="0"/>
-              <a:t>6/17/2018</a:t>
+              <a:t>8/30/2020</a:t>
             </a:fld>
             <a:endParaRPr lang="en-US"/>
           </a:p>
@@ -2335,7 +2335,7 @@
           <a:p>
             <a:fld id="{32F7251A-AE54-443C-B8FE-5F636E835EBF}" type="datetimeFigureOut">
               <a:rPr lang="en-US" smtClean="0"/>
-              <a:t>6/17/2018</a:t>
+              <a:t>8/30/2020</a:t>
             </a:fld>
             <a:endParaRPr lang="en-US"/>
           </a:p>
@@ -2402,7 +2402,9 @@
     <p:bg>
       <p:bgPr>
         <a:solidFill>
-          <a:srgbClr val="333333"/>
+          <a:schemeClr val="bg1">
+            <a:lumMod val="10000"/>
+          </a:schemeClr>
         </a:solidFill>
         <a:effectLst/>
       </p:bgPr>
@@ -2549,7 +2551,7 @@
           <a:p>
             <a:fld id="{32F7251A-AE54-443C-B8FE-5F636E835EBF}" type="datetimeFigureOut">
               <a:rPr lang="en-US" smtClean="0"/>
-              <a:t>6/17/2018</a:t>
+              <a:t>8/30/2020</a:t>
             </a:fld>
             <a:endParaRPr lang="en-US"/>
           </a:p>
@@ -3019,8 +3021,8 @@
         </p:nvSpPr>
         <p:spPr>
           <a:xfrm>
-            <a:off x="0" y="5804209"/>
-            <a:ext cx="12192000" cy="830997"/>
+            <a:off x="0" y="5927320"/>
+            <a:ext cx="12192000" cy="584775"/>
           </a:xfrm>
           <a:prstGeom prst="rect">
             <a:avLst/>
@@ -3035,10 +3037,12 @@
           <a:p>
             <a:pPr algn="ctr"/>
             <a:r>
-              <a:rPr lang="en-US" sz="4800" dirty="0">
+              <a:rPr lang="en-US" sz="3200" u="sng" dirty="0">
                 <a:solidFill>
                   <a:schemeClr val="bg1"/>
                 </a:solidFill>
+                <a:latin typeface="Assistant SemiBold" panose="00000700000000000000" pitchFamily="2" charset="-79"/>
+                <a:cs typeface="Assistant SemiBold" panose="00000700000000000000" pitchFamily="2" charset="-79"/>
               </a:rPr>
               <a:t>“Faith of our Fathers”</a:t>
             </a:r>
@@ -3053,8 +3057,8 @@
         </p:nvSpPr>
         <p:spPr>
           <a:xfrm>
-            <a:off x="0" y="766134"/>
-            <a:ext cx="12192000" cy="3970318"/>
+            <a:off x="0" y="1022944"/>
+            <a:ext cx="12192000" cy="3108543"/>
           </a:xfrm>
           <a:prstGeom prst="rect">
             <a:avLst/>
@@ -3069,10 +3073,12 @@
           <a:p>
             <a:pPr algn="ctr"/>
             <a:r>
-              <a:rPr lang="en-US" sz="3600" dirty="0">
+              <a:rPr lang="en-US" sz="2800" spc="50" dirty="0">
                 <a:solidFill>
                   <a:schemeClr val="bg1"/>
                 </a:solidFill>
+                <a:latin typeface="Assistant" panose="00000500000000000000" pitchFamily="2" charset="-79"/>
+                <a:cs typeface="Assistant" panose="00000500000000000000" pitchFamily="2" charset="-79"/>
               </a:rPr>
               <a:t>Faith of our fathers, living still</a:t>
             </a:r>
@@ -3080,10 +3086,12 @@
           <a:p>
             <a:pPr algn="ctr"/>
             <a:r>
-              <a:rPr lang="en-US" sz="3600" dirty="0">
+              <a:rPr lang="en-US" sz="2800" spc="50" dirty="0">
                 <a:solidFill>
                   <a:schemeClr val="bg1"/>
                 </a:solidFill>
+                <a:latin typeface="Assistant" panose="00000500000000000000" pitchFamily="2" charset="-79"/>
+                <a:cs typeface="Assistant" panose="00000500000000000000" pitchFamily="2" charset="-79"/>
               </a:rPr>
               <a:t>In spite of dungeon, fire, and sword,</a:t>
             </a:r>
@@ -3091,10 +3099,12 @@
           <a:p>
             <a:pPr algn="ctr"/>
             <a:r>
-              <a:rPr lang="en-US" sz="3600" dirty="0">
+              <a:rPr lang="en-US" sz="2800" spc="50" dirty="0">
                 <a:solidFill>
                   <a:schemeClr val="bg1"/>
                 </a:solidFill>
+                <a:latin typeface="Assistant" panose="00000500000000000000" pitchFamily="2" charset="-79"/>
+                <a:cs typeface="Assistant" panose="00000500000000000000" pitchFamily="2" charset="-79"/>
               </a:rPr>
               <a:t>Oh, how our hearts beat high with joy</a:t>
             </a:r>
@@ -3102,29 +3112,35 @@
           <a:p>
             <a:pPr algn="ctr"/>
             <a:r>
-              <a:rPr lang="en-US" sz="3600" dirty="0">
+              <a:rPr lang="en-US" sz="2800" spc="50" dirty="0">
                 <a:solidFill>
                   <a:schemeClr val="bg1"/>
                 </a:solidFill>
+                <a:latin typeface="Assistant" panose="00000500000000000000" pitchFamily="2" charset="-79"/>
+                <a:cs typeface="Assistant" panose="00000500000000000000" pitchFamily="2" charset="-79"/>
               </a:rPr>
               <a:t>Whene’er we hear that glorious word!</a:t>
             </a:r>
           </a:p>
           <a:p>
             <a:pPr algn="ctr"/>
-            <a:endParaRPr lang="en-US" sz="3600" dirty="0">
+            <a:endParaRPr lang="en-US" sz="2800" spc="50" dirty="0">
               <a:solidFill>
                 <a:schemeClr val="bg1"/>
               </a:solidFill>
+              <a:latin typeface="Assistant" panose="00000500000000000000" pitchFamily="2" charset="-79"/>
+              <a:cs typeface="Assistant" panose="00000500000000000000" pitchFamily="2" charset="-79"/>
             </a:endParaRPr>
           </a:p>
           <a:p>
             <a:pPr algn="ctr"/>
             <a:r>
-              <a:rPr lang="en-US" sz="3600" dirty="0">
+              <a:rPr lang="en-US" sz="2800" spc="50" dirty="0">
                 <a:solidFill>
                   <a:schemeClr val="bg1"/>
                 </a:solidFill>
+                <a:latin typeface="Assistant" panose="00000500000000000000" pitchFamily="2" charset="-79"/>
+                <a:cs typeface="Assistant" panose="00000500000000000000" pitchFamily="2" charset="-79"/>
               </a:rPr>
               <a:t>Faith of our fathers, holy faith, </a:t>
             </a:r>
@@ -3132,10 +3148,12 @@
           <a:p>
             <a:pPr algn="ctr"/>
             <a:r>
-              <a:rPr lang="en-US" sz="3600" dirty="0">
+              <a:rPr lang="en-US" sz="2800" spc="50" dirty="0">
                 <a:solidFill>
                   <a:schemeClr val="bg1"/>
                 </a:solidFill>
+                <a:latin typeface="Assistant" panose="00000500000000000000" pitchFamily="2" charset="-79"/>
+                <a:cs typeface="Assistant" panose="00000500000000000000" pitchFamily="2" charset="-79"/>
               </a:rPr>
               <a:t>We will be true to Thee ‘til death.</a:t>
             </a:r>
@@ -3237,8 +3255,8 @@
         </p:nvSpPr>
         <p:spPr>
           <a:xfrm>
-            <a:off x="0" y="5804209"/>
-            <a:ext cx="12192000" cy="830997"/>
+            <a:off x="0" y="5927320"/>
+            <a:ext cx="12192000" cy="584775"/>
           </a:xfrm>
           <a:prstGeom prst="rect">
             <a:avLst/>
@@ -3253,10 +3271,12 @@
           <a:p>
             <a:pPr algn="ctr"/>
             <a:r>
-              <a:rPr lang="en-US" sz="4800" dirty="0">
+              <a:rPr lang="en-US" sz="3200" u="sng" dirty="0">
                 <a:solidFill>
                   <a:schemeClr val="bg1"/>
                 </a:solidFill>
+                <a:latin typeface="Assistant SemiBold" panose="00000700000000000000" pitchFamily="2" charset="-79"/>
+                <a:cs typeface="Assistant SemiBold" panose="00000700000000000000" pitchFamily="2" charset="-79"/>
               </a:rPr>
               <a:t>“Faith of our Fathers”</a:t>
             </a:r>
@@ -3271,8 +3291,8 @@
         </p:nvSpPr>
         <p:spPr>
           <a:xfrm>
-            <a:off x="0" y="766134"/>
-            <a:ext cx="12192000" cy="3970318"/>
+            <a:off x="0" y="1022944"/>
+            <a:ext cx="12192000" cy="3108543"/>
           </a:xfrm>
           <a:prstGeom prst="rect">
             <a:avLst/>
@@ -3287,10 +3307,12 @@
           <a:p>
             <a:pPr algn="ctr"/>
             <a:r>
-              <a:rPr lang="en-US" sz="3600" dirty="0">
+              <a:rPr lang="en-US" sz="2800" spc="50" dirty="0">
                 <a:solidFill>
                   <a:schemeClr val="bg1"/>
                 </a:solidFill>
+                <a:latin typeface="Assistant" panose="00000500000000000000" pitchFamily="2" charset="-79"/>
+                <a:cs typeface="Assistant" panose="00000500000000000000" pitchFamily="2" charset="-79"/>
               </a:rPr>
               <a:t>Our fathers, chained in prisons dark,</a:t>
             </a:r>
@@ -3298,10 +3320,12 @@
           <a:p>
             <a:pPr algn="ctr"/>
             <a:r>
-              <a:rPr lang="en-US" sz="3600" dirty="0">
+              <a:rPr lang="en-US" sz="2800" spc="50" dirty="0">
                 <a:solidFill>
                   <a:schemeClr val="bg1"/>
                 </a:solidFill>
+                <a:latin typeface="Assistant" panose="00000500000000000000" pitchFamily="2" charset="-79"/>
+                <a:cs typeface="Assistant" panose="00000500000000000000" pitchFamily="2" charset="-79"/>
               </a:rPr>
               <a:t>Were still in heart and conscience free;</a:t>
             </a:r>
@@ -3309,10 +3333,12 @@
           <a:p>
             <a:pPr algn="ctr"/>
             <a:r>
-              <a:rPr lang="en-US" sz="3600" dirty="0">
+              <a:rPr lang="en-US" sz="2800" spc="50" dirty="0">
                 <a:solidFill>
                   <a:schemeClr val="bg1"/>
                 </a:solidFill>
+                <a:latin typeface="Assistant" panose="00000500000000000000" pitchFamily="2" charset="-79"/>
+                <a:cs typeface="Assistant" panose="00000500000000000000" pitchFamily="2" charset="-79"/>
               </a:rPr>
               <a:t>And blest would be their children’s fate</a:t>
             </a:r>
@@ -3320,29 +3346,35 @@
           <a:p>
             <a:pPr algn="ctr"/>
             <a:r>
-              <a:rPr lang="en-US" sz="3600" dirty="0">
+              <a:rPr lang="en-US" sz="2800" spc="50" dirty="0">
                 <a:solidFill>
                   <a:schemeClr val="bg1"/>
                 </a:solidFill>
+                <a:latin typeface="Assistant" panose="00000500000000000000" pitchFamily="2" charset="-79"/>
+                <a:cs typeface="Assistant" panose="00000500000000000000" pitchFamily="2" charset="-79"/>
               </a:rPr>
               <a:t>Though they like them, should die for Thee.</a:t>
             </a:r>
           </a:p>
           <a:p>
             <a:pPr algn="ctr"/>
-            <a:endParaRPr lang="en-US" sz="3600" dirty="0">
+            <a:endParaRPr lang="en-US" sz="2800" spc="50" dirty="0">
               <a:solidFill>
                 <a:schemeClr val="bg1"/>
               </a:solidFill>
+              <a:latin typeface="Assistant" panose="00000500000000000000" pitchFamily="2" charset="-79"/>
+              <a:cs typeface="Assistant" panose="00000500000000000000" pitchFamily="2" charset="-79"/>
             </a:endParaRPr>
           </a:p>
           <a:p>
             <a:pPr algn="ctr"/>
             <a:r>
-              <a:rPr lang="en-US" sz="3600" dirty="0">
+              <a:rPr lang="en-US" sz="2800" spc="50" dirty="0">
                 <a:solidFill>
                   <a:schemeClr val="bg1"/>
                 </a:solidFill>
+                <a:latin typeface="Assistant" panose="00000500000000000000" pitchFamily="2" charset="-79"/>
+                <a:cs typeface="Assistant" panose="00000500000000000000" pitchFamily="2" charset="-79"/>
               </a:rPr>
               <a:t>Faith of our fathers, holy faith, </a:t>
             </a:r>
@@ -3350,10 +3382,12 @@
           <a:p>
             <a:pPr algn="ctr"/>
             <a:r>
-              <a:rPr lang="en-US" sz="3600" dirty="0">
+              <a:rPr lang="en-US" sz="2800" spc="50" dirty="0">
                 <a:solidFill>
                   <a:schemeClr val="bg1"/>
                 </a:solidFill>
+                <a:latin typeface="Assistant" panose="00000500000000000000" pitchFamily="2" charset="-79"/>
+                <a:cs typeface="Assistant" panose="00000500000000000000" pitchFamily="2" charset="-79"/>
               </a:rPr>
               <a:t>We will be true to Thee ‘til death.</a:t>
             </a:r>
@@ -3455,8 +3489,8 @@
         </p:nvSpPr>
         <p:spPr>
           <a:xfrm>
-            <a:off x="0" y="5804209"/>
-            <a:ext cx="12192000" cy="830997"/>
+            <a:off x="0" y="5927320"/>
+            <a:ext cx="12192000" cy="584775"/>
           </a:xfrm>
           <a:prstGeom prst="rect">
             <a:avLst/>
@@ -3471,10 +3505,12 @@
           <a:p>
             <a:pPr algn="ctr"/>
             <a:r>
-              <a:rPr lang="en-US" sz="4800" dirty="0">
+              <a:rPr lang="en-US" sz="3200" u="sng" dirty="0">
                 <a:solidFill>
                   <a:schemeClr val="bg1"/>
                 </a:solidFill>
+                <a:latin typeface="Assistant SemiBold" panose="00000700000000000000" pitchFamily="2" charset="-79"/>
+                <a:cs typeface="Assistant SemiBold" panose="00000700000000000000" pitchFamily="2" charset="-79"/>
               </a:rPr>
               <a:t>“Faith of our Fathers”</a:t>
             </a:r>
@@ -3489,8 +3525,8 @@
         </p:nvSpPr>
         <p:spPr>
           <a:xfrm>
-            <a:off x="0" y="766134"/>
-            <a:ext cx="12192000" cy="3970318"/>
+            <a:off x="0" y="1022944"/>
+            <a:ext cx="12192000" cy="3108543"/>
           </a:xfrm>
           <a:prstGeom prst="rect">
             <a:avLst/>
@@ -3505,10 +3541,12 @@
           <a:p>
             <a:pPr algn="ctr"/>
             <a:r>
-              <a:rPr lang="en-US" sz="3600" dirty="0">
+              <a:rPr lang="en-US" sz="2800" spc="50" dirty="0">
                 <a:solidFill>
                   <a:schemeClr val="bg1"/>
                 </a:solidFill>
+                <a:latin typeface="Assistant" panose="00000500000000000000" pitchFamily="2" charset="-79"/>
+                <a:cs typeface="Assistant" panose="00000500000000000000" pitchFamily="2" charset="-79"/>
               </a:rPr>
               <a:t>Faith of our fathers, we will strive</a:t>
             </a:r>
@@ -3516,10 +3554,12 @@
           <a:p>
             <a:pPr algn="ctr"/>
             <a:r>
-              <a:rPr lang="en-US" sz="3600" dirty="0">
+              <a:rPr lang="en-US" sz="2800" spc="50" dirty="0">
                 <a:solidFill>
                   <a:schemeClr val="bg1"/>
                 </a:solidFill>
+                <a:latin typeface="Assistant" panose="00000500000000000000" pitchFamily="2" charset="-79"/>
+                <a:cs typeface="Assistant" panose="00000500000000000000" pitchFamily="2" charset="-79"/>
               </a:rPr>
               <a:t>To win all nations unto Thee;</a:t>
             </a:r>
@@ -3527,10 +3567,12 @@
           <a:p>
             <a:pPr algn="ctr"/>
             <a:r>
-              <a:rPr lang="en-US" sz="3600" dirty="0">
+              <a:rPr lang="en-US" sz="2800" spc="50" dirty="0">
                 <a:solidFill>
                   <a:schemeClr val="bg1"/>
                 </a:solidFill>
+                <a:latin typeface="Assistant" panose="00000500000000000000" pitchFamily="2" charset="-79"/>
+                <a:cs typeface="Assistant" panose="00000500000000000000" pitchFamily="2" charset="-79"/>
               </a:rPr>
               <a:t>And through the truth that comes from God</a:t>
             </a:r>
@@ -3538,29 +3580,35 @@
           <a:p>
             <a:pPr algn="ctr"/>
             <a:r>
-              <a:rPr lang="en-US" sz="3600" dirty="0">
+              <a:rPr lang="en-US" sz="2800" spc="50" dirty="0">
                 <a:solidFill>
                   <a:schemeClr val="bg1"/>
                 </a:solidFill>
+                <a:latin typeface="Assistant" panose="00000500000000000000" pitchFamily="2" charset="-79"/>
+                <a:cs typeface="Assistant" panose="00000500000000000000" pitchFamily="2" charset="-79"/>
               </a:rPr>
               <a:t>Mankind shall then indeed be free.</a:t>
             </a:r>
           </a:p>
           <a:p>
             <a:pPr algn="ctr"/>
-            <a:endParaRPr lang="en-US" sz="3600" dirty="0">
+            <a:endParaRPr lang="en-US" sz="2800" spc="50" dirty="0">
               <a:solidFill>
                 <a:schemeClr val="bg1"/>
               </a:solidFill>
+              <a:latin typeface="Assistant" panose="00000500000000000000" pitchFamily="2" charset="-79"/>
+              <a:cs typeface="Assistant" panose="00000500000000000000" pitchFamily="2" charset="-79"/>
             </a:endParaRPr>
           </a:p>
           <a:p>
             <a:pPr algn="ctr"/>
             <a:r>
-              <a:rPr lang="en-US" sz="3600" dirty="0">
+              <a:rPr lang="en-US" sz="2800" spc="50" dirty="0">
                 <a:solidFill>
                   <a:schemeClr val="bg1"/>
                 </a:solidFill>
+                <a:latin typeface="Assistant" panose="00000500000000000000" pitchFamily="2" charset="-79"/>
+                <a:cs typeface="Assistant" panose="00000500000000000000" pitchFamily="2" charset="-79"/>
               </a:rPr>
               <a:t>Faith of our fathers, holy faith, </a:t>
             </a:r>
@@ -3568,10 +3616,12 @@
           <a:p>
             <a:pPr algn="ctr"/>
             <a:r>
-              <a:rPr lang="en-US" sz="3600" dirty="0">
+              <a:rPr lang="en-US" sz="2800" spc="50" dirty="0">
                 <a:solidFill>
                   <a:schemeClr val="bg1"/>
                 </a:solidFill>
+                <a:latin typeface="Assistant" panose="00000500000000000000" pitchFamily="2" charset="-79"/>
+                <a:cs typeface="Assistant" panose="00000500000000000000" pitchFamily="2" charset="-79"/>
               </a:rPr>
               <a:t>We will be true to Thee ‘til death.</a:t>
             </a:r>
@@ -3673,8 +3723,8 @@
         </p:nvSpPr>
         <p:spPr>
           <a:xfrm>
-            <a:off x="0" y="5804209"/>
-            <a:ext cx="12192000" cy="830997"/>
+            <a:off x="0" y="5927320"/>
+            <a:ext cx="12192000" cy="584775"/>
           </a:xfrm>
           <a:prstGeom prst="rect">
             <a:avLst/>
@@ -3689,10 +3739,12 @@
           <a:p>
             <a:pPr algn="ctr"/>
             <a:r>
-              <a:rPr lang="en-US" sz="4800" dirty="0">
+              <a:rPr lang="en-US" sz="3200" u="sng" dirty="0">
                 <a:solidFill>
                   <a:schemeClr val="bg1"/>
                 </a:solidFill>
+                <a:latin typeface="Assistant SemiBold" panose="00000700000000000000" pitchFamily="2" charset="-79"/>
+                <a:cs typeface="Assistant SemiBold" panose="00000700000000000000" pitchFamily="2" charset="-79"/>
               </a:rPr>
               <a:t>“Faith of our Fathers”</a:t>
             </a:r>
@@ -3707,8 +3759,8 @@
         </p:nvSpPr>
         <p:spPr>
           <a:xfrm>
-            <a:off x="0" y="766134"/>
-            <a:ext cx="12192000" cy="3970318"/>
+            <a:off x="0" y="1022944"/>
+            <a:ext cx="12192000" cy="3108543"/>
           </a:xfrm>
           <a:prstGeom prst="rect">
             <a:avLst/>
@@ -3723,10 +3775,12 @@
           <a:p>
             <a:pPr algn="ctr"/>
             <a:r>
-              <a:rPr lang="en-US" sz="3600" dirty="0">
+              <a:rPr lang="en-US" sz="2800" spc="50" dirty="0">
                 <a:solidFill>
                   <a:schemeClr val="bg1"/>
                 </a:solidFill>
+                <a:latin typeface="Assistant" panose="00000500000000000000" pitchFamily="2" charset="-79"/>
+                <a:cs typeface="Assistant" panose="00000500000000000000" pitchFamily="2" charset="-79"/>
               </a:rPr>
               <a:t>Faith of our fathers, we will love</a:t>
             </a:r>
@@ -3734,10 +3788,12 @@
           <a:p>
             <a:pPr algn="ctr"/>
             <a:r>
-              <a:rPr lang="en-US" sz="3600" dirty="0">
+              <a:rPr lang="en-US" sz="2800" spc="50" dirty="0">
                 <a:solidFill>
                   <a:schemeClr val="bg1"/>
                 </a:solidFill>
+                <a:latin typeface="Assistant" panose="00000500000000000000" pitchFamily="2" charset="-79"/>
+                <a:cs typeface="Assistant" panose="00000500000000000000" pitchFamily="2" charset="-79"/>
               </a:rPr>
               <a:t>Both friend and foe in all our strife,</a:t>
             </a:r>
@@ -3745,10 +3801,12 @@
           <a:p>
             <a:pPr algn="ctr"/>
             <a:r>
-              <a:rPr lang="en-US" sz="3600" dirty="0">
+              <a:rPr lang="en-US" sz="2800" spc="50" dirty="0">
                 <a:solidFill>
                   <a:schemeClr val="bg1"/>
                 </a:solidFill>
+                <a:latin typeface="Assistant" panose="00000500000000000000" pitchFamily="2" charset="-79"/>
+                <a:cs typeface="Assistant" panose="00000500000000000000" pitchFamily="2" charset="-79"/>
               </a:rPr>
               <a:t>And preach Thee, too, as love knows how,</a:t>
             </a:r>
@@ -3756,29 +3814,35 @@
           <a:p>
             <a:pPr algn="ctr"/>
             <a:r>
-              <a:rPr lang="en-US" sz="3600" dirty="0">
+              <a:rPr lang="en-US" sz="2800" spc="50" dirty="0">
                 <a:solidFill>
                   <a:schemeClr val="bg1"/>
                 </a:solidFill>
+                <a:latin typeface="Assistant" panose="00000500000000000000" pitchFamily="2" charset="-79"/>
+                <a:cs typeface="Assistant" panose="00000500000000000000" pitchFamily="2" charset="-79"/>
               </a:rPr>
               <a:t>By kindly words and virtuous life.</a:t>
             </a:r>
           </a:p>
           <a:p>
             <a:pPr algn="ctr"/>
-            <a:endParaRPr lang="en-US" sz="3600" dirty="0">
+            <a:endParaRPr lang="en-US" sz="2800" spc="50" dirty="0">
               <a:solidFill>
                 <a:schemeClr val="bg1"/>
               </a:solidFill>
+              <a:latin typeface="Assistant" panose="00000500000000000000" pitchFamily="2" charset="-79"/>
+              <a:cs typeface="Assistant" panose="00000500000000000000" pitchFamily="2" charset="-79"/>
             </a:endParaRPr>
           </a:p>
           <a:p>
             <a:pPr algn="ctr"/>
             <a:r>
-              <a:rPr lang="en-US" sz="3600" dirty="0">
+              <a:rPr lang="en-US" sz="2800" spc="50" dirty="0">
                 <a:solidFill>
                   <a:schemeClr val="bg1"/>
                 </a:solidFill>
+                <a:latin typeface="Assistant" panose="00000500000000000000" pitchFamily="2" charset="-79"/>
+                <a:cs typeface="Assistant" panose="00000500000000000000" pitchFamily="2" charset="-79"/>
               </a:rPr>
               <a:t>Faith of our fathers, holy faith, </a:t>
             </a:r>
@@ -3786,10 +3850,12 @@
           <a:p>
             <a:pPr algn="ctr"/>
             <a:r>
-              <a:rPr lang="en-US" sz="3600" dirty="0">
+              <a:rPr lang="en-US" sz="2800" spc="50" dirty="0">
                 <a:solidFill>
                   <a:schemeClr val="bg1"/>
                 </a:solidFill>
+                <a:latin typeface="Assistant" panose="00000500000000000000" pitchFamily="2" charset="-79"/>
+                <a:cs typeface="Assistant" panose="00000500000000000000" pitchFamily="2" charset="-79"/>
               </a:rPr>
               <a:t>We will be true to Thee ‘til death.</a:t>
             </a:r>
